--- a/Docs/Seminars/20201111_DAFNIExec/DAFNIExec_20201111_Champion_Raimbault.pptx
+++ b/Docs/Seminars/20201111_DAFNIExec/DAFNIExec_20201111_Champion_Raimbault.pptx
@@ -3876,7 +3876,7 @@
         <p:spPr>
           <a:xfrm>
             <a:off x="413280" y="2179080"/>
-            <a:ext cx="11250720" cy="3794208"/>
+            <a:ext cx="11250720" cy="4273200"/>
           </a:xfrm>
           <a:prstGeom prst="rect">
             <a:avLst/>
@@ -3928,7 +3928,7 @@
               <a:rPr lang="en-GB" sz="2000" spc="-1" dirty="0">
                 <a:latin typeface="Arial"/>
               </a:rPr>
-              <a:t> (Issues/suggestions, data workshop)</a:t>
+              <a:t> (issues/suggestions, data workshop)</a:t>
             </a:r>
           </a:p>
           <a:p>
@@ -3961,7 +3961,7 @@
               <a:rPr lang="en-GB" sz="2000" spc="-1" dirty="0">
                 <a:latin typeface="Arial"/>
               </a:rPr>
-              <a:t> embedding: calibration</a:t>
+              <a:t> embedding: calibration of an urban network ABM</a:t>
             </a:r>
           </a:p>
           <a:p>
@@ -3990,7 +3990,19 @@
               <a:rPr lang="en-GB" sz="2000" spc="-1" dirty="0">
                 <a:latin typeface="Arial"/>
               </a:rPr>
-              <a:t>New version of road network processing: Functional Urban Area network</a:t>
+              <a:t>New version of road network processing for </a:t>
+            </a:r>
+            <a:r>
+              <a:rPr lang="en-GB" sz="2000" spc="-1" dirty="0" err="1">
+                <a:latin typeface="Arial"/>
+              </a:rPr>
+              <a:t>MATSim</a:t>
+            </a:r>
+            <a:r>
+              <a:rPr lang="en-GB" sz="2000" spc="-1" dirty="0">
+                <a:latin typeface="Arial"/>
+              </a:rPr>
+              <a:t>: Functional Urban Area network</a:t>
             </a:r>
           </a:p>
           <a:p>
@@ -4019,7 +4031,7 @@
               <a:rPr lang="en-GB" sz="2000" spc="-1" dirty="0">
                 <a:latin typeface="Arial"/>
               </a:rPr>
-              <a:t>SPENSER model integration for synthetic population generation</a:t>
+              <a:t>Microscopic distribution of synthetic population</a:t>
             </a:r>
           </a:p>
           <a:p>
@@ -4089,7 +4101,7 @@
               <a:rPr lang="en-GB" sz="2000" spc="-1" dirty="0">
                 <a:latin typeface="Arial"/>
               </a:rPr>
-              <a:t>Data: GHSL data; SPENSER UK synthetic populations for 2020</a:t>
+              <a:t>Data: Global Human Settlement Layer (JRC-EC data; SPENSER UK synthetic populations for 2020</a:t>
             </a:r>
           </a:p>
           <a:p>
@@ -4936,6 +4948,33 @@
               <a:t>MATSim</a:t>
             </a:r>
             <a:endParaRPr lang="en-GB" sz="2800" b="0" strike="noStrike" spc="-1" dirty="0">
+              <a:solidFill>
+                <a:srgbClr val="000000"/>
+              </a:solidFill>
+              <a:latin typeface="Arial"/>
+              <a:ea typeface="DejaVu Sans"/>
+            </a:endParaRPr>
+          </a:p>
+          <a:p>
+            <a:pPr algn="ctr">
+              <a:lnSpc>
+                <a:spcPct val="100000"/>
+              </a:lnSpc>
+            </a:pPr>
+            <a:endParaRPr lang="en-GB" sz="2800" spc="-1" dirty="0">
+              <a:solidFill>
+                <a:srgbClr val="000000"/>
+              </a:solidFill>
+              <a:latin typeface="Arial"/>
+            </a:endParaRPr>
+          </a:p>
+          <a:p>
+            <a:pPr algn="ctr">
+              <a:lnSpc>
+                <a:spcPct val="100000"/>
+              </a:lnSpc>
+            </a:pPr>
+            <a:endParaRPr lang="en-GB" sz="2800" b="0" strike="noStrike" spc="-1" dirty="0">
               <a:latin typeface="Arial"/>
             </a:endParaRPr>
           </a:p>
@@ -5081,6 +5120,53 @@
             <a:endParaRPr lang="en-GB" sz="2000" b="0" strike="noStrike" spc="-1" dirty="0">
               <a:latin typeface="Arial"/>
             </a:endParaRPr>
+          </a:p>
+        </p:txBody>
+      </p:sp>
+      <p:sp>
+        <p:nvSpPr>
+          <p:cNvPr id="2" name="TextBox 1">
+            <a:extLst>
+              <a:ext uri="{FF2B5EF4-FFF2-40B4-BE49-F238E27FC236}">
+                <a16:creationId xmlns:a16="http://schemas.microsoft.com/office/drawing/2014/main" id="{97970C7F-F296-AE46-ACCD-B4A1AF33F083}"/>
+              </a:ext>
+            </a:extLst>
+          </p:cNvPr>
+          <p:cNvSpPr txBox="1"/>
+          <p:nvPr/>
+        </p:nvSpPr>
+        <p:spPr>
+          <a:xfrm>
+            <a:off x="1745673" y="2897579"/>
+            <a:ext cx="8170223" cy="1477328"/>
+          </a:xfrm>
+          <a:prstGeom prst="rect">
+            <a:avLst/>
+          </a:prstGeom>
+          <a:noFill/>
+        </p:spPr>
+        <p:txBody>
+          <a:bodyPr wrap="square" rtlCol="0">
+            <a:spAutoFit/>
+          </a:bodyPr>
+          <a:lstStyle/>
+          <a:p>
+            <a:endParaRPr lang="en-US" dirty="0"/>
+          </a:p>
+          <a:p>
+            <a:endParaRPr lang="en-US" dirty="0"/>
+          </a:p>
+          <a:p>
+            <a:endParaRPr lang="en-US" dirty="0"/>
+          </a:p>
+          <a:p>
+            <a:endParaRPr lang="en-US" dirty="0"/>
+          </a:p>
+          <a:p>
+            <a:r>
+              <a:rPr lang="en-US" dirty="0"/>
+              <a:t>Process all FUAs and publish networks under different formats?</a:t>
+            </a:r>
           </a:p>
         </p:txBody>
       </p:sp>
